--- a/DOC/240925_프로그래밍패러다임 및 객체 기초이론.pptx
+++ b/DOC/240925_프로그래밍패러다임 및 객체 기초이론.pptx
@@ -9,19 +9,20 @@
     <p:sldId id="284" r:id="rId3"/>
     <p:sldId id="285" r:id="rId4"/>
     <p:sldId id="286" r:id="rId5"/>
-    <p:sldId id="287" r:id="rId6"/>
+    <p:sldId id="300" r:id="rId6"/>
     <p:sldId id="288" r:id="rId7"/>
-    <p:sldId id="289" r:id="rId8"/>
-    <p:sldId id="290" r:id="rId9"/>
-    <p:sldId id="291" r:id="rId10"/>
-    <p:sldId id="292" r:id="rId11"/>
-    <p:sldId id="293" r:id="rId12"/>
-    <p:sldId id="294" r:id="rId13"/>
-    <p:sldId id="295" r:id="rId14"/>
-    <p:sldId id="296" r:id="rId15"/>
-    <p:sldId id="297" r:id="rId16"/>
-    <p:sldId id="298" r:id="rId17"/>
-    <p:sldId id="299" r:id="rId18"/>
+    <p:sldId id="287" r:id="rId8"/>
+    <p:sldId id="289" r:id="rId9"/>
+    <p:sldId id="290" r:id="rId10"/>
+    <p:sldId id="291" r:id="rId11"/>
+    <p:sldId id="292" r:id="rId12"/>
+    <p:sldId id="293" r:id="rId13"/>
+    <p:sldId id="294" r:id="rId14"/>
+    <p:sldId id="295" r:id="rId15"/>
+    <p:sldId id="296" r:id="rId16"/>
+    <p:sldId id="297" r:id="rId17"/>
+    <p:sldId id="298" r:id="rId18"/>
+    <p:sldId id="299" r:id="rId19"/>
   </p:sldIdLst>
   <p:sldSz cx="12192000" cy="6858000"/>
   <p:notesSz cx="6858000" cy="9144000"/>
@@ -3375,7 +3376,7 @@
     </p:spTree>
     <p:extLst>
       <p:ext uri="{BB962C8B-B14F-4D97-AF65-F5344CB8AC3E}">
-        <p14:creationId xmlns:p14="http://schemas.microsoft.com/office/powerpoint/2010/main" val="2053948687"/>
+        <p14:creationId xmlns:p14="http://schemas.microsoft.com/office/powerpoint/2010/main" val="3598524818"/>
       </p:ext>
     </p:extLst>
   </p:cSld>
@@ -3405,7 +3406,7 @@
     </p:spTree>
     <p:extLst>
       <p:ext uri="{BB962C8B-B14F-4D97-AF65-F5344CB8AC3E}">
-        <p14:creationId xmlns:p14="http://schemas.microsoft.com/office/powerpoint/2010/main" val="2327352"/>
+        <p14:creationId xmlns:p14="http://schemas.microsoft.com/office/powerpoint/2010/main" val="2053948687"/>
       </p:ext>
     </p:extLst>
   </p:cSld>
@@ -3435,7 +3436,7 @@
     </p:spTree>
     <p:extLst>
       <p:ext uri="{BB962C8B-B14F-4D97-AF65-F5344CB8AC3E}">
-        <p14:creationId xmlns:p14="http://schemas.microsoft.com/office/powerpoint/2010/main" val="3404656738"/>
+        <p14:creationId xmlns:p14="http://schemas.microsoft.com/office/powerpoint/2010/main" val="2327352"/>
       </p:ext>
     </p:extLst>
   </p:cSld>
@@ -3465,7 +3466,7 @@
     </p:spTree>
     <p:extLst>
       <p:ext uri="{BB962C8B-B14F-4D97-AF65-F5344CB8AC3E}">
-        <p14:creationId xmlns:p14="http://schemas.microsoft.com/office/powerpoint/2010/main" val="2028419519"/>
+        <p14:creationId xmlns:p14="http://schemas.microsoft.com/office/powerpoint/2010/main" val="3404656738"/>
       </p:ext>
     </p:extLst>
   </p:cSld>
@@ -3495,7 +3496,7 @@
     </p:spTree>
     <p:extLst>
       <p:ext uri="{BB962C8B-B14F-4D97-AF65-F5344CB8AC3E}">
-        <p14:creationId xmlns:p14="http://schemas.microsoft.com/office/powerpoint/2010/main" val="904378354"/>
+        <p14:creationId xmlns:p14="http://schemas.microsoft.com/office/powerpoint/2010/main" val="2028419519"/>
       </p:ext>
     </p:extLst>
   </p:cSld>
@@ -3525,7 +3526,7 @@
     </p:spTree>
     <p:extLst>
       <p:ext uri="{BB962C8B-B14F-4D97-AF65-F5344CB8AC3E}">
-        <p14:creationId xmlns:p14="http://schemas.microsoft.com/office/powerpoint/2010/main" val="2705525739"/>
+        <p14:creationId xmlns:p14="http://schemas.microsoft.com/office/powerpoint/2010/main" val="904378354"/>
       </p:ext>
     </p:extLst>
   </p:cSld>
@@ -3555,6 +3556,36 @@
     </p:spTree>
     <p:extLst>
       <p:ext uri="{BB962C8B-B14F-4D97-AF65-F5344CB8AC3E}">
+        <p14:creationId xmlns:p14="http://schemas.microsoft.com/office/powerpoint/2010/main" val="2705525739"/>
+      </p:ext>
+    </p:extLst>
+  </p:cSld>
+  <p:clrMapOvr>
+    <a:masterClrMapping/>
+  </p:clrMapOvr>
+</p:sld>
+</file>
+
+<file path=ppt/slides/slide17.xml><?xml version="1.0" encoding="utf-8"?>
+<p:sld xmlns:a="http://schemas.openxmlformats.org/drawingml/2006/main" xmlns:r="http://schemas.openxmlformats.org/officeDocument/2006/relationships" xmlns:p="http://schemas.openxmlformats.org/presentationml/2006/main">
+  <p:cSld>
+    <p:spTree>
+      <p:nvGrpSpPr>
+        <p:cNvPr id="1" name=""/>
+        <p:cNvGrpSpPr/>
+        <p:nvPr/>
+      </p:nvGrpSpPr>
+      <p:grpSpPr>
+        <a:xfrm>
+          <a:off x="0" y="0"/>
+          <a:ext cx="0" cy="0"/>
+          <a:chOff x="0" y="0"/>
+          <a:chExt cx="0" cy="0"/>
+        </a:xfrm>
+      </p:grpSpPr>
+    </p:spTree>
+    <p:extLst>
+      <p:ext uri="{BB962C8B-B14F-4D97-AF65-F5344CB8AC3E}">
         <p14:creationId xmlns:p14="http://schemas.microsoft.com/office/powerpoint/2010/main" val="3963186401"/>
       </p:ext>
     </p:extLst>
@@ -3565,7 +3596,7 @@
 </p:sld>
 </file>
 
-<file path=ppt/slides/slide17.xml><?xml version="1.0" encoding="utf-8"?>
+<file path=ppt/slides/slide18.xml><?xml version="1.0" encoding="utf-8"?>
 <p:sld xmlns:a="http://schemas.openxmlformats.org/drawingml/2006/main" xmlns:r="http://schemas.openxmlformats.org/officeDocument/2006/relationships" xmlns:p="http://schemas.openxmlformats.org/presentationml/2006/main">
   <p:cSld>
     <p:spTree>
@@ -4267,10 +4298,1261 @@
           <a:chExt cx="0" cy="0"/>
         </a:xfrm>
       </p:grpSpPr>
+      <p:sp>
+        <p:nvSpPr>
+          <p:cNvPr id="2" name="TextBox 1">
+            <a:extLst>
+              <a:ext uri="{FF2B5EF4-FFF2-40B4-BE49-F238E27FC236}">
+                <a16:creationId xmlns:a16="http://schemas.microsoft.com/office/drawing/2014/main" id="{D0F36F0B-6737-7726-F6DF-6D38103F21A6}"/>
+              </a:ext>
+            </a:extLst>
+          </p:cNvPr>
+          <p:cNvSpPr txBox="1"/>
+          <p:nvPr/>
+        </p:nvSpPr>
+        <p:spPr>
+          <a:xfrm>
+            <a:off x="230909" y="517236"/>
+            <a:ext cx="46030550" cy="6463308"/>
+          </a:xfrm>
+          <a:prstGeom prst="rect">
+            <a:avLst/>
+          </a:prstGeom>
+          <a:noFill/>
+        </p:spPr>
+        <p:txBody>
+          <a:bodyPr wrap="none" rtlCol="0">
+            <a:spAutoFit/>
+          </a:bodyPr>
+          <a:lstStyle/>
+          <a:p>
+            <a:r>
+              <a:rPr lang="ko-KR" altLang="en-US" dirty="0"/>
+              <a:t>객체지향을 </a:t>
+            </a:r>
+            <a:r>
+              <a:rPr lang="ko-KR" altLang="en-US" dirty="0" err="1"/>
+              <a:t>하다보면</a:t>
+            </a:r>
+            <a:r>
+              <a:rPr lang="ko-KR" altLang="en-US" dirty="0"/>
+              <a:t> 객체지향의 특성이라는 것이 나옵니다</a:t>
+            </a:r>
+            <a:r>
+              <a:rPr lang="en-US" altLang="ko-KR" dirty="0"/>
+              <a:t>.</a:t>
+            </a:r>
+          </a:p>
+          <a:p>
+            <a:endParaRPr lang="en-US" altLang="ko-KR" dirty="0"/>
+          </a:p>
+          <a:p>
+            <a:pPr algn="l"/>
+            <a:r>
+              <a:rPr lang="ko-KR" altLang="en-US" b="1" i="0" dirty="0">
+                <a:effectLst/>
+                <a:latin typeface="Arial" panose="020B0604020202020204" pitchFamily="34" charset="0"/>
+              </a:rPr>
+              <a:t>자료 추상화 </a:t>
+            </a:r>
+            <a:r>
+              <a:rPr lang="en-US" altLang="ko-KR" b="1" i="0" dirty="0">
+                <a:effectLst/>
+                <a:latin typeface="Arial" panose="020B0604020202020204" pitchFamily="34" charset="0"/>
+              </a:rPr>
+              <a:t>=&gt; </a:t>
+            </a:r>
+            <a:r>
+              <a:rPr lang="ko-KR" altLang="en-US" b="1" i="0" dirty="0">
+                <a:effectLst/>
+                <a:latin typeface="Arial" panose="020B0604020202020204" pitchFamily="34" charset="0"/>
+              </a:rPr>
+              <a:t>내가 </a:t>
+            </a:r>
+            <a:r>
+              <a:rPr lang="ko-KR" altLang="en-US" b="1" i="0" dirty="0" err="1">
+                <a:effectLst/>
+                <a:latin typeface="Arial" panose="020B0604020202020204" pitchFamily="34" charset="0"/>
+              </a:rPr>
+              <a:t>생각한것을</a:t>
+            </a:r>
+            <a:r>
+              <a:rPr lang="ko-KR" altLang="en-US" b="1" i="0" dirty="0">
+                <a:effectLst/>
+                <a:latin typeface="Arial" panose="020B0604020202020204" pitchFamily="34" charset="0"/>
+              </a:rPr>
+              <a:t> 클래스로 만든다</a:t>
+            </a:r>
+            <a:r>
+              <a:rPr lang="en-US" altLang="ko-KR" b="1" i="0" dirty="0">
+                <a:effectLst/>
+                <a:latin typeface="Arial" panose="020B0604020202020204" pitchFamily="34" charset="0"/>
+              </a:rPr>
+              <a:t>.</a:t>
+            </a:r>
+            <a:endParaRPr lang="ko-KR" altLang="en-US" b="1" i="0" dirty="0">
+              <a:effectLst/>
+              <a:latin typeface="Arial" panose="020B0604020202020204" pitchFamily="34" charset="0"/>
+            </a:endParaRPr>
+          </a:p>
+          <a:p>
+            <a:pPr algn="l"/>
+            <a:r>
+              <a:rPr lang="ko-KR" altLang="en-US" b="0" i="0" dirty="0">
+                <a:solidFill>
+                  <a:srgbClr val="202122"/>
+                </a:solidFill>
+                <a:effectLst/>
+                <a:latin typeface="Arial" panose="020B0604020202020204" pitchFamily="34" charset="0"/>
+              </a:rPr>
+              <a:t>자료 추상화는 불필요한 정보는 숨기고 중요한 정보만을 표현함으로써 프로그램을 간단히 만드는 것이다</a:t>
+            </a:r>
+            <a:r>
+              <a:rPr lang="en-US" altLang="ko-KR" b="0" i="0" dirty="0">
+                <a:solidFill>
+                  <a:srgbClr val="202122"/>
+                </a:solidFill>
+                <a:effectLst/>
+                <a:latin typeface="Arial" panose="020B0604020202020204" pitchFamily="34" charset="0"/>
+              </a:rPr>
+              <a:t>. </a:t>
+            </a:r>
+          </a:p>
+          <a:p>
+            <a:pPr algn="l"/>
+            <a:r>
+              <a:rPr lang="ko-KR" altLang="en-US" b="0" i="0" dirty="0">
+                <a:solidFill>
+                  <a:srgbClr val="202122"/>
+                </a:solidFill>
+                <a:effectLst/>
+                <a:latin typeface="Arial" panose="020B0604020202020204" pitchFamily="34" charset="0"/>
+              </a:rPr>
+              <a:t>자료 추상화를 통해 정의된 자료형을 추상 자료형이라고 한다</a:t>
+            </a:r>
+            <a:r>
+              <a:rPr lang="en-US" altLang="ko-KR" b="0" i="0" dirty="0">
+                <a:solidFill>
+                  <a:srgbClr val="202122"/>
+                </a:solidFill>
+                <a:effectLst/>
+                <a:latin typeface="Arial" panose="020B0604020202020204" pitchFamily="34" charset="0"/>
+              </a:rPr>
+              <a:t>. </a:t>
+            </a:r>
+            <a:r>
+              <a:rPr lang="ko-KR" altLang="en-US" b="0" i="0" u="none" strike="noStrike" dirty="0">
+                <a:solidFill>
+                  <a:srgbClr val="202122"/>
+                </a:solidFill>
+                <a:effectLst/>
+                <a:latin typeface="Arial" panose="020B0604020202020204" pitchFamily="34" charset="0"/>
+                <a:hlinkClick r:id="rId2" tooltip="추상 자료형"/>
+              </a:rPr>
+              <a:t>추상 자료형</a:t>
+            </a:r>
+            <a:r>
+              <a:rPr lang="ko-KR" altLang="en-US" b="0" i="0" dirty="0">
+                <a:solidFill>
+                  <a:srgbClr val="202122"/>
+                </a:solidFill>
+                <a:effectLst/>
+                <a:latin typeface="Arial" panose="020B0604020202020204" pitchFamily="34" charset="0"/>
+              </a:rPr>
+              <a:t>은 </a:t>
+            </a:r>
+            <a:r>
+              <a:rPr lang="ko-KR" altLang="en-US" b="0" i="0" u="none" strike="noStrike" dirty="0">
+                <a:solidFill>
+                  <a:srgbClr val="202122"/>
+                </a:solidFill>
+                <a:effectLst/>
+                <a:latin typeface="Arial" panose="020B0604020202020204" pitchFamily="34" charset="0"/>
+                <a:hlinkClick r:id="rId3" tooltip="자료형"/>
+              </a:rPr>
+              <a:t>자료형</a:t>
+            </a:r>
+            <a:r>
+              <a:rPr lang="ko-KR" altLang="en-US" b="0" i="0" dirty="0">
+                <a:solidFill>
+                  <a:srgbClr val="202122"/>
+                </a:solidFill>
+                <a:effectLst/>
+                <a:latin typeface="Arial" panose="020B0604020202020204" pitchFamily="34" charset="0"/>
+              </a:rPr>
+              <a:t>의 자료 표현과 자료형의 연산을</a:t>
+            </a:r>
+            <a:endParaRPr lang="en-US" altLang="ko-KR" b="0" i="0" dirty="0">
+              <a:solidFill>
+                <a:srgbClr val="202122"/>
+              </a:solidFill>
+              <a:effectLst/>
+              <a:latin typeface="Arial" panose="020B0604020202020204" pitchFamily="34" charset="0"/>
+            </a:endParaRPr>
+          </a:p>
+          <a:p>
+            <a:pPr algn="l"/>
+            <a:r>
+              <a:rPr lang="ko-KR" altLang="en-US" b="0" i="0" dirty="0">
+                <a:solidFill>
+                  <a:srgbClr val="202122"/>
+                </a:solidFill>
+                <a:effectLst/>
+                <a:latin typeface="Arial" panose="020B0604020202020204" pitchFamily="34" charset="0"/>
+              </a:rPr>
+              <a:t> </a:t>
+            </a:r>
+            <a:r>
+              <a:rPr lang="ko-KR" altLang="en-US" b="0" i="0" u="none" strike="noStrike" dirty="0" err="1">
+                <a:solidFill>
+                  <a:srgbClr val="202122"/>
+                </a:solidFill>
+                <a:effectLst/>
+                <a:latin typeface="Arial" panose="020B0604020202020204" pitchFamily="34" charset="0"/>
+                <a:hlinkClick r:id="rId4" tooltip="캡슐화"/>
+              </a:rPr>
+              <a:t>캡슐화</a:t>
+            </a:r>
+            <a:r>
+              <a:rPr lang="ko-KR" altLang="en-US" b="0" i="0" dirty="0" err="1">
+                <a:solidFill>
+                  <a:srgbClr val="202122"/>
+                </a:solidFill>
+                <a:effectLst/>
+                <a:latin typeface="Arial" panose="020B0604020202020204" pitchFamily="34" charset="0"/>
+              </a:rPr>
+              <a:t>한</a:t>
+            </a:r>
+            <a:r>
+              <a:rPr lang="ko-KR" altLang="en-US" b="0" i="0" dirty="0">
+                <a:solidFill>
+                  <a:srgbClr val="202122"/>
+                </a:solidFill>
+                <a:effectLst/>
+                <a:latin typeface="Arial" panose="020B0604020202020204" pitchFamily="34" charset="0"/>
+              </a:rPr>
+              <a:t> 것으로 접근 제어를 통해서 자료형의 정보를 은닉할 수 있다</a:t>
+            </a:r>
+            <a:r>
+              <a:rPr lang="en-US" altLang="ko-KR" b="0" i="0" dirty="0">
+                <a:solidFill>
+                  <a:srgbClr val="202122"/>
+                </a:solidFill>
+                <a:effectLst/>
+                <a:latin typeface="Arial" panose="020B0604020202020204" pitchFamily="34" charset="0"/>
+              </a:rPr>
+              <a:t>. </a:t>
+            </a:r>
+            <a:r>
+              <a:rPr lang="ko-KR" altLang="en-US" b="0" i="0" dirty="0">
+                <a:solidFill>
+                  <a:srgbClr val="202122"/>
+                </a:solidFill>
+                <a:effectLst/>
+                <a:latin typeface="Arial" panose="020B0604020202020204" pitchFamily="34" charset="0"/>
+              </a:rPr>
+              <a:t>객체 지향 프로그래밍에서 일반적으로 추상 </a:t>
+            </a:r>
+            <a:endParaRPr lang="en-US" altLang="ko-KR" b="0" i="0" dirty="0">
+              <a:solidFill>
+                <a:srgbClr val="202122"/>
+              </a:solidFill>
+              <a:effectLst/>
+              <a:latin typeface="Arial" panose="020B0604020202020204" pitchFamily="34" charset="0"/>
+            </a:endParaRPr>
+          </a:p>
+          <a:p>
+            <a:pPr algn="l"/>
+            <a:r>
+              <a:rPr lang="ko-KR" altLang="en-US" b="0" i="0" dirty="0">
+                <a:solidFill>
+                  <a:srgbClr val="202122"/>
+                </a:solidFill>
+                <a:effectLst/>
+                <a:latin typeface="Arial" panose="020B0604020202020204" pitchFamily="34" charset="0"/>
+              </a:rPr>
+              <a:t>자료형을 </a:t>
+            </a:r>
+            <a:r>
+              <a:rPr lang="ko-KR" altLang="en-US" b="0" i="0" u="none" strike="noStrike" dirty="0">
+                <a:solidFill>
+                  <a:srgbClr val="202122"/>
+                </a:solidFill>
+                <a:effectLst/>
+                <a:latin typeface="Arial" panose="020B0604020202020204" pitchFamily="34" charset="0"/>
+                <a:hlinkClick r:id="rId5" tooltip="클래스"/>
+              </a:rPr>
+              <a:t>클래스</a:t>
+            </a:r>
+            <a:r>
+              <a:rPr lang="en-US" altLang="ko-KR" b="0" i="0" dirty="0">
+                <a:solidFill>
+                  <a:srgbClr val="202122"/>
+                </a:solidFill>
+                <a:effectLst/>
+                <a:latin typeface="Arial" panose="020B0604020202020204" pitchFamily="34" charset="0"/>
+              </a:rPr>
+              <a:t>, </a:t>
+            </a:r>
+            <a:r>
+              <a:rPr lang="ko-KR" altLang="en-US" b="0" i="0" dirty="0">
+                <a:solidFill>
+                  <a:srgbClr val="202122"/>
+                </a:solidFill>
+                <a:effectLst/>
+                <a:latin typeface="Arial" panose="020B0604020202020204" pitchFamily="34" charset="0"/>
+              </a:rPr>
+              <a:t>추상 자료형의 </a:t>
+            </a:r>
+            <a:r>
+              <a:rPr lang="ko-KR" altLang="en-US" b="0" i="0" u="none" strike="noStrike" dirty="0">
+                <a:solidFill>
+                  <a:srgbClr val="202122"/>
+                </a:solidFill>
+                <a:effectLst/>
+                <a:latin typeface="Arial" panose="020B0604020202020204" pitchFamily="34" charset="0"/>
+                <a:hlinkClick r:id="rId6" tooltip="인스턴스"/>
+              </a:rPr>
+              <a:t>인스턴스</a:t>
+            </a:r>
+            <a:r>
+              <a:rPr lang="ko-KR" altLang="en-US" b="0" i="0" dirty="0">
+                <a:solidFill>
+                  <a:srgbClr val="202122"/>
+                </a:solidFill>
+                <a:effectLst/>
+                <a:latin typeface="Arial" panose="020B0604020202020204" pitchFamily="34" charset="0"/>
+              </a:rPr>
+              <a:t>를 </a:t>
+            </a:r>
+            <a:r>
+              <a:rPr lang="ko-KR" altLang="en-US" b="0" i="0" u="none" strike="noStrike" dirty="0">
+                <a:solidFill>
+                  <a:srgbClr val="202122"/>
+                </a:solidFill>
+                <a:effectLst/>
+                <a:latin typeface="Arial" panose="020B0604020202020204" pitchFamily="34" charset="0"/>
+                <a:hlinkClick r:id="rId7" tooltip="객체"/>
+              </a:rPr>
+              <a:t>객체</a:t>
+            </a:r>
+            <a:r>
+              <a:rPr lang="en-US" altLang="ko-KR" b="0" i="0" dirty="0">
+                <a:solidFill>
+                  <a:srgbClr val="202122"/>
+                </a:solidFill>
+                <a:effectLst/>
+                <a:latin typeface="Arial" panose="020B0604020202020204" pitchFamily="34" charset="0"/>
+              </a:rPr>
+              <a:t>, </a:t>
+            </a:r>
+            <a:r>
+              <a:rPr lang="ko-KR" altLang="en-US" b="0" i="0" dirty="0">
+                <a:solidFill>
+                  <a:srgbClr val="202122"/>
+                </a:solidFill>
+                <a:effectLst/>
+                <a:latin typeface="Arial" panose="020B0604020202020204" pitchFamily="34" charset="0"/>
+              </a:rPr>
+              <a:t>추상 자료형에서 정의된 연산을 </a:t>
+            </a:r>
+            <a:r>
+              <a:rPr lang="ko-KR" altLang="en-US" b="0" i="0" u="none" strike="noStrike" dirty="0">
+                <a:solidFill>
+                  <a:srgbClr val="202122"/>
+                </a:solidFill>
+                <a:effectLst/>
+                <a:latin typeface="Arial" panose="020B0604020202020204" pitchFamily="34" charset="0"/>
+                <a:hlinkClick r:id="rId8" tooltip="메소드"/>
+              </a:rPr>
+              <a:t>메소드</a:t>
+            </a:r>
+            <a:r>
+              <a:rPr lang="en-US" altLang="ko-KR" b="0" i="0" dirty="0">
+                <a:solidFill>
+                  <a:srgbClr val="202122"/>
+                </a:solidFill>
+                <a:effectLst/>
+                <a:latin typeface="Arial" panose="020B0604020202020204" pitchFamily="34" charset="0"/>
+              </a:rPr>
+              <a:t>(</a:t>
+            </a:r>
+            <a:r>
+              <a:rPr lang="ko-KR" altLang="en-US" b="0" i="0" dirty="0">
+                <a:solidFill>
+                  <a:srgbClr val="202122"/>
+                </a:solidFill>
+                <a:effectLst/>
+                <a:latin typeface="Arial" panose="020B0604020202020204" pitchFamily="34" charset="0"/>
+              </a:rPr>
+              <a:t>함수</a:t>
+            </a:r>
+            <a:r>
+              <a:rPr lang="en-US" altLang="ko-KR" b="0" i="0" dirty="0">
+                <a:solidFill>
+                  <a:srgbClr val="202122"/>
+                </a:solidFill>
+                <a:effectLst/>
+                <a:latin typeface="Arial" panose="020B0604020202020204" pitchFamily="34" charset="0"/>
+              </a:rPr>
+              <a:t>), </a:t>
+            </a:r>
+          </a:p>
+          <a:p>
+            <a:pPr algn="l"/>
+            <a:r>
+              <a:rPr lang="ko-KR" altLang="en-US" b="0" i="0" dirty="0">
+                <a:solidFill>
+                  <a:srgbClr val="202122"/>
+                </a:solidFill>
+                <a:effectLst/>
+                <a:latin typeface="Arial" panose="020B0604020202020204" pitchFamily="34" charset="0"/>
+              </a:rPr>
+              <a:t>메소드의 호출을 </a:t>
+            </a:r>
+            <a:r>
+              <a:rPr lang="ko-KR" altLang="en-US" b="0" i="0" u="none" strike="noStrike" dirty="0">
+                <a:solidFill>
+                  <a:srgbClr val="202122"/>
+                </a:solidFill>
+                <a:effectLst/>
+                <a:latin typeface="Arial" panose="020B0604020202020204" pitchFamily="34" charset="0"/>
+                <a:hlinkClick r:id="rId9" tooltip="생성자"/>
+              </a:rPr>
+              <a:t>생성자</a:t>
+            </a:r>
+            <a:r>
+              <a:rPr lang="ko-KR" altLang="en-US" b="0" i="0" dirty="0">
+                <a:solidFill>
+                  <a:srgbClr val="202122"/>
+                </a:solidFill>
+                <a:effectLst/>
+                <a:latin typeface="Arial" panose="020B0604020202020204" pitchFamily="34" charset="0"/>
+              </a:rPr>
+              <a:t>라고 한다</a:t>
+            </a:r>
+            <a:r>
+              <a:rPr lang="en-US" altLang="ko-KR" b="0" i="0" dirty="0">
+                <a:solidFill>
+                  <a:srgbClr val="202122"/>
+                </a:solidFill>
+                <a:effectLst/>
+                <a:latin typeface="Arial" panose="020B0604020202020204" pitchFamily="34" charset="0"/>
+              </a:rPr>
+              <a:t>.</a:t>
+            </a:r>
+          </a:p>
+          <a:p>
+            <a:pPr algn="l"/>
+            <a:endParaRPr lang="en-US" altLang="ko-KR" b="0" i="0" dirty="0">
+              <a:solidFill>
+                <a:srgbClr val="202122"/>
+              </a:solidFill>
+              <a:effectLst/>
+              <a:latin typeface="Arial" panose="020B0604020202020204" pitchFamily="34" charset="0"/>
+            </a:endParaRPr>
+          </a:p>
+          <a:p>
+            <a:pPr algn="l"/>
+            <a:r>
+              <a:rPr lang="ko-KR" altLang="en-US" b="1" i="0" dirty="0">
+                <a:effectLst/>
+                <a:latin typeface="Arial" panose="020B0604020202020204" pitchFamily="34" charset="0"/>
+              </a:rPr>
+              <a:t>상속</a:t>
+            </a:r>
+          </a:p>
+          <a:p>
+            <a:pPr algn="l"/>
+            <a:r>
+              <a:rPr lang="en-US" altLang="ko-KR" b="0" i="0" dirty="0">
+                <a:effectLst/>
+                <a:latin typeface="Arial" panose="020B0604020202020204" pitchFamily="34" charset="0"/>
+              </a:rPr>
+              <a:t>[</a:t>
+            </a:r>
+            <a:r>
+              <a:rPr lang="ko-KR" altLang="en-US" b="0" i="0" u="none" strike="noStrike" dirty="0">
+                <a:effectLst/>
+                <a:latin typeface="Arial" panose="020B0604020202020204" pitchFamily="34" charset="0"/>
+                <a:hlinkClick r:id="rId10" tooltip="부분 편집: 상속"/>
+              </a:rPr>
+              <a:t>편집</a:t>
+            </a:r>
+            <a:r>
+              <a:rPr lang="en-US" altLang="ko-KR" b="0" i="0" dirty="0">
+                <a:effectLst/>
+                <a:latin typeface="Arial" panose="020B0604020202020204" pitchFamily="34" charset="0"/>
+              </a:rPr>
+              <a:t>]</a:t>
+            </a:r>
+            <a:endParaRPr lang="ko-KR" altLang="en-US" b="1" i="0" dirty="0">
+              <a:effectLst/>
+              <a:latin typeface="Arial" panose="020B0604020202020204" pitchFamily="34" charset="0"/>
+            </a:endParaRPr>
+          </a:p>
+          <a:p>
+            <a:pPr algn="l"/>
+            <a:r>
+              <a:rPr lang="ko-KR" altLang="en-US" b="0" i="0" dirty="0">
+                <a:solidFill>
+                  <a:srgbClr val="202122"/>
+                </a:solidFill>
+                <a:effectLst/>
+                <a:latin typeface="Arial" panose="020B0604020202020204" pitchFamily="34" charset="0"/>
+              </a:rPr>
+              <a:t>상속은 새로운 클래스가 기존의 클래스의 자료와 연산을 이용할 수 있게 하는 기능이다</a:t>
+            </a:r>
+            <a:r>
+              <a:rPr lang="en-US" altLang="ko-KR" b="0" i="0" dirty="0">
+                <a:solidFill>
+                  <a:srgbClr val="202122"/>
+                </a:solidFill>
+                <a:effectLst/>
+                <a:latin typeface="Arial" panose="020B0604020202020204" pitchFamily="34" charset="0"/>
+              </a:rPr>
+              <a:t>. </a:t>
+            </a:r>
+            <a:r>
+              <a:rPr lang="ko-KR" altLang="en-US" b="0" i="0" dirty="0">
+                <a:solidFill>
+                  <a:srgbClr val="202122"/>
+                </a:solidFill>
+                <a:effectLst/>
+                <a:latin typeface="Arial" panose="020B0604020202020204" pitchFamily="34" charset="0"/>
+              </a:rPr>
+              <a:t>상속을 받는 새로운 클래스를 </a:t>
+            </a:r>
+            <a:r>
+              <a:rPr lang="ko-KR" altLang="en-US" b="0" i="0" u="none" strike="noStrike" dirty="0">
+                <a:solidFill>
+                  <a:srgbClr val="202122"/>
+                </a:solidFill>
+                <a:effectLst/>
+                <a:latin typeface="Arial" panose="020B0604020202020204" pitchFamily="34" charset="0"/>
+                <a:hlinkClick r:id="rId11" tooltip="부클래스 (없는 문서)"/>
+              </a:rPr>
+              <a:t>부클래스</a:t>
+            </a:r>
+            <a:r>
+              <a:rPr lang="en-US" altLang="ko-KR" b="0" i="0" dirty="0">
+                <a:solidFill>
+                  <a:srgbClr val="202122"/>
+                </a:solidFill>
+                <a:effectLst/>
+                <a:latin typeface="Arial" panose="020B0604020202020204" pitchFamily="34" charset="0"/>
+              </a:rPr>
+              <a:t>, </a:t>
+            </a:r>
+            <a:r>
+              <a:rPr lang="ko-KR" altLang="en-US" b="0" i="0" u="none" strike="noStrike" dirty="0">
+                <a:solidFill>
+                  <a:srgbClr val="202122"/>
+                </a:solidFill>
+                <a:effectLst/>
+                <a:latin typeface="Arial" panose="020B0604020202020204" pitchFamily="34" charset="0"/>
+                <a:hlinkClick r:id="rId12" tooltip="파생 클래스 (없는 문서)"/>
+              </a:rPr>
+              <a:t>파생 클래스</a:t>
+            </a:r>
+            <a:r>
+              <a:rPr lang="en-US" altLang="ko-KR" b="0" i="0" dirty="0">
+                <a:solidFill>
+                  <a:srgbClr val="202122"/>
+                </a:solidFill>
+                <a:effectLst/>
+                <a:latin typeface="Arial" panose="020B0604020202020204" pitchFamily="34" charset="0"/>
+              </a:rPr>
+              <a:t>, </a:t>
+            </a:r>
+            <a:r>
+              <a:rPr lang="ko-KR" altLang="en-US" b="0" i="0" u="none" strike="noStrike" dirty="0">
+                <a:solidFill>
+                  <a:srgbClr val="202122"/>
+                </a:solidFill>
+                <a:effectLst/>
+                <a:latin typeface="Arial" panose="020B0604020202020204" pitchFamily="34" charset="0"/>
+                <a:hlinkClick r:id="rId13" tooltip="하위 클래스 (없는 문서)"/>
+              </a:rPr>
+              <a:t>하위 클래스</a:t>
+            </a:r>
+            <a:r>
+              <a:rPr lang="en-US" altLang="ko-KR" b="0" i="0" dirty="0">
+                <a:solidFill>
+                  <a:srgbClr val="202122"/>
+                </a:solidFill>
+                <a:effectLst/>
+                <a:latin typeface="Arial" panose="020B0604020202020204" pitchFamily="34" charset="0"/>
+              </a:rPr>
+              <a:t>, </a:t>
+            </a:r>
+            <a:r>
+              <a:rPr lang="ko-KR" altLang="en-US" b="0" i="0" u="none" strike="noStrike" dirty="0">
+                <a:solidFill>
+                  <a:srgbClr val="202122"/>
+                </a:solidFill>
+                <a:effectLst/>
+                <a:latin typeface="Arial" panose="020B0604020202020204" pitchFamily="34" charset="0"/>
+                <a:hlinkClick r:id="rId14" tooltip="자식 클래스 (없는 문서)"/>
+              </a:rPr>
+              <a:t>자식 클래스</a:t>
+            </a:r>
+            <a:r>
+              <a:rPr lang="ko-KR" altLang="en-US" b="0" i="0" dirty="0">
+                <a:solidFill>
+                  <a:srgbClr val="202122"/>
+                </a:solidFill>
+                <a:effectLst/>
+                <a:latin typeface="Arial" panose="020B0604020202020204" pitchFamily="34" charset="0"/>
+              </a:rPr>
+              <a:t>라고 하며 새로운 클래스가 상속하는 기존의 클래스를 </a:t>
+            </a:r>
+            <a:r>
+              <a:rPr lang="ko-KR" altLang="en-US" b="0" i="0" u="none" strike="noStrike" dirty="0">
+                <a:solidFill>
+                  <a:srgbClr val="202122"/>
+                </a:solidFill>
+                <a:effectLst/>
+                <a:latin typeface="Arial" panose="020B0604020202020204" pitchFamily="34" charset="0"/>
+                <a:hlinkClick r:id="rId15" tooltip="기반 클래스 (없는 문서)"/>
+              </a:rPr>
+              <a:t>기반 클래스</a:t>
+            </a:r>
+            <a:r>
+              <a:rPr lang="en-US" altLang="ko-KR" b="0" i="0" dirty="0">
+                <a:solidFill>
+                  <a:srgbClr val="202122"/>
+                </a:solidFill>
+                <a:effectLst/>
+                <a:latin typeface="Arial" panose="020B0604020202020204" pitchFamily="34" charset="0"/>
+              </a:rPr>
+              <a:t>, </a:t>
+            </a:r>
+            <a:r>
+              <a:rPr lang="ko-KR" altLang="en-US" b="0" i="0" u="none" strike="noStrike" dirty="0">
+                <a:solidFill>
+                  <a:srgbClr val="202122"/>
+                </a:solidFill>
+                <a:effectLst/>
+                <a:latin typeface="Arial" panose="020B0604020202020204" pitchFamily="34" charset="0"/>
+                <a:hlinkClick r:id="rId16" tooltip="상위 클래스 (없는 문서)"/>
+              </a:rPr>
+              <a:t>상위 클래스</a:t>
+            </a:r>
+            <a:r>
+              <a:rPr lang="en-US" altLang="ko-KR" b="0" i="0" dirty="0">
+                <a:solidFill>
+                  <a:srgbClr val="202122"/>
+                </a:solidFill>
+                <a:effectLst/>
+                <a:latin typeface="Arial" panose="020B0604020202020204" pitchFamily="34" charset="0"/>
+              </a:rPr>
+              <a:t>, </a:t>
+            </a:r>
+            <a:r>
+              <a:rPr lang="ko-KR" altLang="en-US" b="0" i="0" u="none" strike="noStrike" dirty="0">
+                <a:solidFill>
+                  <a:srgbClr val="202122"/>
+                </a:solidFill>
+                <a:effectLst/>
+                <a:latin typeface="Arial" panose="020B0604020202020204" pitchFamily="34" charset="0"/>
+                <a:hlinkClick r:id="rId17" tooltip="부모 클래스 (없는 문서)"/>
+              </a:rPr>
+              <a:t>부모 클래스</a:t>
+            </a:r>
+            <a:r>
+              <a:rPr lang="ko-KR" altLang="en-US" b="0" i="0" dirty="0">
+                <a:solidFill>
+                  <a:srgbClr val="202122"/>
+                </a:solidFill>
+                <a:effectLst/>
+                <a:latin typeface="Arial" panose="020B0604020202020204" pitchFamily="34" charset="0"/>
+              </a:rPr>
+              <a:t>라고 한다</a:t>
+            </a:r>
+            <a:r>
+              <a:rPr lang="en-US" altLang="ko-KR" b="0" i="0" dirty="0">
+                <a:solidFill>
+                  <a:srgbClr val="202122"/>
+                </a:solidFill>
+                <a:effectLst/>
+                <a:latin typeface="Arial" panose="020B0604020202020204" pitchFamily="34" charset="0"/>
+              </a:rPr>
+              <a:t>. </a:t>
+            </a:r>
+            <a:r>
+              <a:rPr lang="ko-KR" altLang="en-US" b="0" i="0" dirty="0">
+                <a:solidFill>
+                  <a:srgbClr val="202122"/>
+                </a:solidFill>
+                <a:effectLst/>
+                <a:latin typeface="Arial" panose="020B0604020202020204" pitchFamily="34" charset="0"/>
+              </a:rPr>
+              <a:t>상속을 통해서 기존의 클래스를 상속받은 하위 클래스를 이용해 프로그램의 요구에 맞추어 클래스를 수정할 수 있고 클래스 간의 종속 관계를 형성함으로써 객체를 </a:t>
+            </a:r>
+            <a:r>
+              <a:rPr lang="ko-KR" altLang="en-US" b="0" i="0" dirty="0" err="1">
+                <a:solidFill>
+                  <a:srgbClr val="202122"/>
+                </a:solidFill>
+                <a:effectLst/>
+                <a:latin typeface="Arial" panose="020B0604020202020204" pitchFamily="34" charset="0"/>
+              </a:rPr>
+              <a:t>조직화할</a:t>
+            </a:r>
+            <a:r>
+              <a:rPr lang="ko-KR" altLang="en-US" b="0" i="0" dirty="0">
+                <a:solidFill>
+                  <a:srgbClr val="202122"/>
+                </a:solidFill>
+                <a:effectLst/>
+                <a:latin typeface="Arial" panose="020B0604020202020204" pitchFamily="34" charset="0"/>
+              </a:rPr>
+              <a:t> 수 있다</a:t>
+            </a:r>
+            <a:r>
+              <a:rPr lang="en-US" altLang="ko-KR" b="0" i="0" dirty="0">
+                <a:solidFill>
+                  <a:srgbClr val="202122"/>
+                </a:solidFill>
+                <a:effectLst/>
+                <a:latin typeface="Arial" panose="020B0604020202020204" pitchFamily="34" charset="0"/>
+              </a:rPr>
+              <a:t>.</a:t>
+            </a:r>
+          </a:p>
+          <a:p>
+            <a:pPr algn="l"/>
+            <a:r>
+              <a:rPr lang="ko-KR" altLang="en-US" b="1" i="0" dirty="0">
+                <a:effectLst/>
+                <a:latin typeface="Arial" panose="020B0604020202020204" pitchFamily="34" charset="0"/>
+              </a:rPr>
+              <a:t>다중 상속</a:t>
+            </a:r>
+          </a:p>
+          <a:p>
+            <a:pPr algn="l"/>
+            <a:r>
+              <a:rPr lang="en-US" altLang="ko-KR" b="0" i="0" dirty="0">
+                <a:effectLst/>
+                <a:latin typeface="Arial" panose="020B0604020202020204" pitchFamily="34" charset="0"/>
+              </a:rPr>
+              <a:t>[</a:t>
+            </a:r>
+            <a:r>
+              <a:rPr lang="ko-KR" altLang="en-US" b="0" i="0" u="none" strike="noStrike" dirty="0">
+                <a:effectLst/>
+                <a:latin typeface="Arial" panose="020B0604020202020204" pitchFamily="34" charset="0"/>
+                <a:hlinkClick r:id="rId18" tooltip="부분 편집: 다중 상속"/>
+              </a:rPr>
+              <a:t>편집</a:t>
+            </a:r>
+            <a:r>
+              <a:rPr lang="en-US" altLang="ko-KR" b="0" i="0" dirty="0">
+                <a:effectLst/>
+                <a:latin typeface="Arial" panose="020B0604020202020204" pitchFamily="34" charset="0"/>
+              </a:rPr>
+              <a:t>]</a:t>
+            </a:r>
+            <a:endParaRPr lang="ko-KR" altLang="en-US" b="1" i="0" dirty="0">
+              <a:effectLst/>
+              <a:latin typeface="Arial" panose="020B0604020202020204" pitchFamily="34" charset="0"/>
+            </a:endParaRPr>
+          </a:p>
+          <a:p>
+            <a:pPr algn="l"/>
+            <a:r>
+              <a:rPr lang="ko-KR" altLang="en-US" b="0" i="0" dirty="0">
+                <a:solidFill>
+                  <a:srgbClr val="202122"/>
+                </a:solidFill>
+                <a:effectLst/>
+                <a:latin typeface="Arial" panose="020B0604020202020204" pitchFamily="34" charset="0"/>
+              </a:rPr>
+              <a:t>다중 상속은 클래스가 </a:t>
+            </a:r>
+            <a:r>
+              <a:rPr lang="en-US" altLang="ko-KR" b="0" i="0" dirty="0">
+                <a:solidFill>
+                  <a:srgbClr val="202122"/>
+                </a:solidFill>
+                <a:effectLst/>
+                <a:latin typeface="Arial" panose="020B0604020202020204" pitchFamily="34" charset="0"/>
+              </a:rPr>
+              <a:t>2</a:t>
+            </a:r>
+            <a:r>
+              <a:rPr lang="ko-KR" altLang="en-US" b="0" i="0" dirty="0">
+                <a:solidFill>
+                  <a:srgbClr val="202122"/>
+                </a:solidFill>
+                <a:effectLst/>
+                <a:latin typeface="Arial" panose="020B0604020202020204" pitchFamily="34" charset="0"/>
+              </a:rPr>
+              <a:t>개 이상의 클래스로부터 상속받을 수 있게 하는 기능이다</a:t>
+            </a:r>
+            <a:r>
+              <a:rPr lang="en-US" altLang="ko-KR" b="0" i="0" dirty="0">
+                <a:solidFill>
+                  <a:srgbClr val="202122"/>
+                </a:solidFill>
+                <a:effectLst/>
+                <a:latin typeface="Arial" panose="020B0604020202020204" pitchFamily="34" charset="0"/>
+              </a:rPr>
+              <a:t>. </a:t>
+            </a:r>
+            <a:r>
+              <a:rPr lang="ko-KR" altLang="en-US" b="0" i="0" dirty="0">
+                <a:solidFill>
+                  <a:srgbClr val="202122"/>
+                </a:solidFill>
+                <a:effectLst/>
+                <a:latin typeface="Arial" panose="020B0604020202020204" pitchFamily="34" charset="0"/>
+              </a:rPr>
+              <a:t>클래스들의 기능이 동시에 필요할 때 용이하나 클래스의 상속 관계에 혼란을 줄 수 있고</a:t>
+            </a:r>
+            <a:r>
+              <a:rPr lang="en-US" altLang="ko-KR" b="0" i="0" dirty="0">
+                <a:solidFill>
+                  <a:srgbClr val="202122"/>
+                </a:solidFill>
+                <a:effectLst/>
+                <a:latin typeface="Arial" panose="020B0604020202020204" pitchFamily="34" charset="0"/>
+              </a:rPr>
+              <a:t>(</a:t>
+            </a:r>
+            <a:r>
+              <a:rPr lang="ko-KR" altLang="en-US" b="0" i="0" dirty="0">
+                <a:solidFill>
+                  <a:srgbClr val="202122"/>
+                </a:solidFill>
+                <a:effectLst/>
+                <a:latin typeface="Arial" panose="020B0604020202020204" pitchFamily="34" charset="0"/>
+              </a:rPr>
+              <a:t>예</a:t>
+            </a:r>
+            <a:r>
+              <a:rPr lang="en-US" altLang="ko-KR" b="0" i="0" dirty="0">
+                <a:solidFill>
+                  <a:srgbClr val="202122"/>
+                </a:solidFill>
+                <a:effectLst/>
+                <a:latin typeface="Arial" panose="020B0604020202020204" pitchFamily="34" charset="0"/>
+              </a:rPr>
+              <a:t>: </a:t>
+            </a:r>
+            <a:r>
+              <a:rPr lang="ko-KR" altLang="en-US" b="0" i="0" u="none" strike="noStrike" dirty="0">
+                <a:solidFill>
+                  <a:srgbClr val="202122"/>
+                </a:solidFill>
+                <a:effectLst/>
+                <a:latin typeface="Arial" panose="020B0604020202020204" pitchFamily="34" charset="0"/>
+                <a:hlinkClick r:id="rId19" tooltip="다이아몬드 상속 (없는 문서)"/>
+              </a:rPr>
+              <a:t>다이아몬드 상속</a:t>
+            </a:r>
+            <a:r>
+              <a:rPr lang="en-US" altLang="ko-KR" b="0" i="0" dirty="0">
+                <a:solidFill>
+                  <a:srgbClr val="202122"/>
+                </a:solidFill>
+                <a:effectLst/>
+                <a:latin typeface="Arial" panose="020B0604020202020204" pitchFamily="34" charset="0"/>
+              </a:rPr>
+              <a:t>) </a:t>
+            </a:r>
+            <a:r>
+              <a:rPr lang="ko-KR" altLang="en-US" b="0" i="0" dirty="0">
+                <a:solidFill>
+                  <a:srgbClr val="202122"/>
+                </a:solidFill>
+                <a:effectLst/>
+                <a:latin typeface="Arial" panose="020B0604020202020204" pitchFamily="34" charset="0"/>
+              </a:rPr>
+              <a:t>프로그래밍 언어에 따라 사용 가능 유무가 다르므로 주의해서 사용해야 한다</a:t>
+            </a:r>
+            <a:r>
+              <a:rPr lang="en-US" altLang="ko-KR" b="0" i="0" dirty="0">
+                <a:solidFill>
+                  <a:srgbClr val="202122"/>
+                </a:solidFill>
+                <a:effectLst/>
+                <a:latin typeface="Arial" panose="020B0604020202020204" pitchFamily="34" charset="0"/>
+              </a:rPr>
+              <a:t>. </a:t>
+            </a:r>
+            <a:r>
+              <a:rPr lang="ko-KR" altLang="en-US" b="0" i="0" u="none" strike="noStrike" dirty="0">
+                <a:solidFill>
+                  <a:srgbClr val="202122"/>
+                </a:solidFill>
+                <a:effectLst/>
+                <a:latin typeface="Arial" panose="020B0604020202020204" pitchFamily="34" charset="0"/>
+                <a:hlinkClick r:id="rId20" tooltip="자바 (프로그래밍 언어)"/>
+              </a:rPr>
+              <a:t>자바</a:t>
+            </a:r>
+            <a:r>
+              <a:rPr lang="ko-KR" altLang="en-US" b="0" i="0" dirty="0">
+                <a:solidFill>
+                  <a:srgbClr val="202122"/>
+                </a:solidFill>
+                <a:effectLst/>
+                <a:latin typeface="Arial" panose="020B0604020202020204" pitchFamily="34" charset="0"/>
+              </a:rPr>
+              <a:t>는 지원하지 않는다</a:t>
+            </a:r>
+            <a:r>
+              <a:rPr lang="en-US" altLang="ko-KR" b="0" i="0" dirty="0">
+                <a:solidFill>
+                  <a:srgbClr val="202122"/>
+                </a:solidFill>
+                <a:effectLst/>
+                <a:latin typeface="Arial" panose="020B0604020202020204" pitchFamily="34" charset="0"/>
+              </a:rPr>
+              <a:t>.</a:t>
+            </a:r>
+          </a:p>
+          <a:p>
+            <a:pPr algn="l"/>
+            <a:r>
+              <a:rPr lang="ko-KR" altLang="en-US" b="1" i="0" dirty="0" err="1">
+                <a:effectLst/>
+                <a:latin typeface="Arial" panose="020B0604020202020204" pitchFamily="34" charset="0"/>
+              </a:rPr>
+              <a:t>다형성</a:t>
+            </a:r>
+            <a:r>
+              <a:rPr lang="ko-KR" altLang="en-US" b="1" i="0" dirty="0">
+                <a:effectLst/>
+                <a:latin typeface="Arial" panose="020B0604020202020204" pitchFamily="34" charset="0"/>
+              </a:rPr>
+              <a:t> 개념</a:t>
+            </a:r>
+          </a:p>
+          <a:p>
+            <a:pPr algn="l"/>
+            <a:r>
+              <a:rPr lang="en-US" altLang="ko-KR" b="0" i="0" dirty="0">
+                <a:effectLst/>
+                <a:latin typeface="Arial" panose="020B0604020202020204" pitchFamily="34" charset="0"/>
+              </a:rPr>
+              <a:t>[</a:t>
+            </a:r>
+            <a:r>
+              <a:rPr lang="ko-KR" altLang="en-US" b="0" i="0" u="none" strike="noStrike" dirty="0">
+                <a:effectLst/>
+                <a:latin typeface="Arial" panose="020B0604020202020204" pitchFamily="34" charset="0"/>
+                <a:hlinkClick r:id="rId21" tooltip="부분 편집: 다형성 개념"/>
+              </a:rPr>
+              <a:t>편집</a:t>
+            </a:r>
+            <a:r>
+              <a:rPr lang="en-US" altLang="ko-KR" b="0" i="0" dirty="0">
+                <a:effectLst/>
+                <a:latin typeface="Arial" panose="020B0604020202020204" pitchFamily="34" charset="0"/>
+              </a:rPr>
+              <a:t>]</a:t>
+            </a:r>
+            <a:endParaRPr lang="ko-KR" altLang="en-US" b="1" i="0" dirty="0">
+              <a:effectLst/>
+              <a:latin typeface="Arial" panose="020B0604020202020204" pitchFamily="34" charset="0"/>
+            </a:endParaRPr>
+          </a:p>
+          <a:p>
+            <a:pPr algn="l"/>
+            <a:r>
+              <a:rPr lang="ko-KR" altLang="en-US" b="0" i="0" u="none" strike="noStrike" dirty="0" err="1">
+                <a:solidFill>
+                  <a:srgbClr val="202122"/>
+                </a:solidFill>
+                <a:effectLst/>
+                <a:latin typeface="Arial" panose="020B0604020202020204" pitchFamily="34" charset="0"/>
+                <a:hlinkClick r:id="rId22" tooltip="다형성 (컴퓨터 과학)"/>
+              </a:rPr>
+              <a:t>다형성</a:t>
+            </a:r>
+            <a:r>
+              <a:rPr lang="ko-KR" altLang="en-US" b="0" i="0" dirty="0">
+                <a:solidFill>
+                  <a:srgbClr val="202122"/>
+                </a:solidFill>
+                <a:effectLst/>
+                <a:latin typeface="Arial" panose="020B0604020202020204" pitchFamily="34" charset="0"/>
+              </a:rPr>
+              <a:t> 개념이란 어떤 한 요소에 여러 개념을 넣어 놓는 것으로 일반적으로 </a:t>
+            </a:r>
+            <a:r>
+              <a:rPr lang="ko-KR" altLang="en-US" b="0" i="0" u="none" strike="noStrike" dirty="0" err="1">
+                <a:solidFill>
+                  <a:srgbClr val="202122"/>
+                </a:solidFill>
+                <a:effectLst/>
+                <a:latin typeface="Arial" panose="020B0604020202020204" pitchFamily="34" charset="0"/>
+                <a:hlinkClick r:id="rId23" tooltip="오버라이딩 (없는 문서)"/>
+              </a:rPr>
+              <a:t>오버라이딩</a:t>
+            </a:r>
+            <a:r>
+              <a:rPr lang="en-US" altLang="ko-KR" b="0" i="0" dirty="0">
+                <a:solidFill>
+                  <a:srgbClr val="202122"/>
+                </a:solidFill>
+                <a:effectLst/>
+                <a:latin typeface="Arial" panose="020B0604020202020204" pitchFamily="34" charset="0"/>
+              </a:rPr>
+              <a:t>(</a:t>
+            </a:r>
+            <a:r>
+              <a:rPr lang="ko-KR" altLang="en-US" b="0" i="0" dirty="0">
+                <a:solidFill>
+                  <a:srgbClr val="202122"/>
+                </a:solidFill>
+                <a:effectLst/>
+                <a:latin typeface="Arial" panose="020B0604020202020204" pitchFamily="34" charset="0"/>
+              </a:rPr>
+              <a:t>같은 이름의 메소드가 여러 클래스에서 다른 기능을 하는 것</a:t>
+            </a:r>
+            <a:r>
+              <a:rPr lang="en-US" altLang="ko-KR" b="0" i="0" dirty="0">
+                <a:solidFill>
+                  <a:srgbClr val="202122"/>
+                </a:solidFill>
+                <a:effectLst/>
+                <a:latin typeface="Arial" panose="020B0604020202020204" pitchFamily="34" charset="0"/>
+              </a:rPr>
+              <a:t>)</a:t>
+            </a:r>
+            <a:r>
+              <a:rPr lang="ko-KR" altLang="en-US" b="0" i="0" dirty="0">
+                <a:solidFill>
+                  <a:srgbClr val="202122"/>
+                </a:solidFill>
+                <a:effectLst/>
+                <a:latin typeface="Arial" panose="020B0604020202020204" pitchFamily="34" charset="0"/>
+              </a:rPr>
+              <a:t>이나 </a:t>
+            </a:r>
+            <a:r>
+              <a:rPr lang="ko-KR" altLang="en-US" b="0" i="0" u="none" strike="noStrike" dirty="0">
+                <a:solidFill>
+                  <a:srgbClr val="202122"/>
+                </a:solidFill>
+                <a:effectLst/>
+                <a:latin typeface="Arial" panose="020B0604020202020204" pitchFamily="34" charset="0"/>
+                <a:hlinkClick r:id="rId24" tooltip="오버로딩 (없는 문서)"/>
+              </a:rPr>
+              <a:t>오버로딩</a:t>
+            </a:r>
+            <a:r>
+              <a:rPr lang="en-US" altLang="ko-KR" b="0" i="0" dirty="0">
+                <a:solidFill>
+                  <a:srgbClr val="202122"/>
+                </a:solidFill>
+                <a:effectLst/>
+                <a:latin typeface="Arial" panose="020B0604020202020204" pitchFamily="34" charset="0"/>
+              </a:rPr>
+              <a:t>(</a:t>
+            </a:r>
+            <a:r>
+              <a:rPr lang="ko-KR" altLang="en-US" b="0" i="0" dirty="0">
+                <a:solidFill>
+                  <a:srgbClr val="202122"/>
+                </a:solidFill>
+                <a:effectLst/>
+                <a:latin typeface="Arial" panose="020B0604020202020204" pitchFamily="34" charset="0"/>
+              </a:rPr>
+              <a:t>같은 이름의 메소드가 인자의 개수나 자료형에 따라서 다른 기능을 하는 것</a:t>
+            </a:r>
+            <a:r>
+              <a:rPr lang="en-US" altLang="ko-KR" b="0" i="0" dirty="0">
+                <a:solidFill>
+                  <a:srgbClr val="202122"/>
+                </a:solidFill>
+                <a:effectLst/>
+                <a:latin typeface="Arial" panose="020B0604020202020204" pitchFamily="34" charset="0"/>
+              </a:rPr>
+              <a:t>)</a:t>
+            </a:r>
+            <a:r>
+              <a:rPr lang="ko-KR" altLang="en-US" b="0" i="0" dirty="0">
+                <a:solidFill>
+                  <a:srgbClr val="202122"/>
+                </a:solidFill>
+                <a:effectLst/>
+                <a:latin typeface="Arial" panose="020B0604020202020204" pitchFamily="34" charset="0"/>
+              </a:rPr>
+              <a:t>을 의미한다</a:t>
+            </a:r>
+            <a:r>
+              <a:rPr lang="en-US" altLang="ko-KR" b="0" i="0" dirty="0">
+                <a:solidFill>
+                  <a:srgbClr val="202122"/>
+                </a:solidFill>
+                <a:effectLst/>
+                <a:latin typeface="Arial" panose="020B0604020202020204" pitchFamily="34" charset="0"/>
+              </a:rPr>
+              <a:t>. </a:t>
+            </a:r>
+            <a:r>
+              <a:rPr lang="ko-KR" altLang="en-US" b="0" i="0" dirty="0">
+                <a:solidFill>
+                  <a:srgbClr val="202122"/>
+                </a:solidFill>
+                <a:effectLst/>
+                <a:latin typeface="Arial" panose="020B0604020202020204" pitchFamily="34" charset="0"/>
+              </a:rPr>
+              <a:t>다형 개념을 통해서 프로그램 안의 객체 간의 관계를 조직적으로 나타낼 수 있다</a:t>
+            </a:r>
+            <a:r>
+              <a:rPr lang="en-US" altLang="ko-KR" b="0" i="0" dirty="0">
+                <a:solidFill>
+                  <a:srgbClr val="202122"/>
+                </a:solidFill>
+                <a:effectLst/>
+                <a:latin typeface="Arial" panose="020B0604020202020204" pitchFamily="34" charset="0"/>
+              </a:rPr>
+              <a:t>.</a:t>
+            </a:r>
+          </a:p>
+          <a:p>
+            <a:pPr algn="l"/>
+            <a:r>
+              <a:rPr lang="ko-KR" altLang="en-US" b="1" i="0" dirty="0">
+                <a:effectLst/>
+                <a:latin typeface="Arial" panose="020B0604020202020204" pitchFamily="34" charset="0"/>
+              </a:rPr>
+              <a:t>동적 바인딩</a:t>
+            </a:r>
+          </a:p>
+          <a:p>
+            <a:pPr algn="l"/>
+            <a:r>
+              <a:rPr lang="en-US" altLang="ko-KR" b="0" i="0" dirty="0">
+                <a:effectLst/>
+                <a:latin typeface="Arial" panose="020B0604020202020204" pitchFamily="34" charset="0"/>
+              </a:rPr>
+              <a:t>[</a:t>
+            </a:r>
+            <a:r>
+              <a:rPr lang="ko-KR" altLang="en-US" b="0" i="0" u="none" strike="noStrike" dirty="0">
+                <a:effectLst/>
+                <a:latin typeface="Arial" panose="020B0604020202020204" pitchFamily="34" charset="0"/>
+                <a:hlinkClick r:id="rId25" tooltip="부분 편집: 동적 바인딩"/>
+              </a:rPr>
+              <a:t>편집</a:t>
+            </a:r>
+            <a:r>
+              <a:rPr lang="en-US" altLang="ko-KR" b="0" i="0" dirty="0">
+                <a:effectLst/>
+                <a:latin typeface="Arial" panose="020B0604020202020204" pitchFamily="34" charset="0"/>
+              </a:rPr>
+              <a:t>]</a:t>
+            </a:r>
+            <a:endParaRPr lang="ko-KR" altLang="en-US" b="1" i="0" dirty="0">
+              <a:effectLst/>
+              <a:latin typeface="Arial" panose="020B0604020202020204" pitchFamily="34" charset="0"/>
+            </a:endParaRPr>
+          </a:p>
+          <a:p>
+            <a:pPr algn="l"/>
+            <a:r>
+              <a:rPr lang="ko-KR" altLang="en-US" b="0" i="0" dirty="0">
+                <a:solidFill>
+                  <a:srgbClr val="202122"/>
+                </a:solidFill>
+                <a:effectLst/>
+                <a:latin typeface="Arial" panose="020B0604020202020204" pitchFamily="34" charset="0"/>
+              </a:rPr>
+              <a:t>동적 바인딩은 실행 시간 중에 일어나거나 실행 과정에서 변경될 수 있는 </a:t>
+            </a:r>
+            <a:r>
+              <a:rPr lang="ko-KR" altLang="en-US" b="0" i="0" u="none" strike="noStrike" dirty="0">
+                <a:solidFill>
+                  <a:srgbClr val="202122"/>
+                </a:solidFill>
+                <a:effectLst/>
+                <a:latin typeface="Arial" panose="020B0604020202020204" pitchFamily="34" charset="0"/>
+                <a:hlinkClick r:id="rId26" tooltip="바인딩"/>
+              </a:rPr>
+              <a:t>바인딩</a:t>
+            </a:r>
+            <a:r>
+              <a:rPr lang="ko-KR" altLang="en-US" b="0" i="0" dirty="0">
+                <a:solidFill>
+                  <a:srgbClr val="202122"/>
+                </a:solidFill>
+                <a:effectLst/>
+                <a:latin typeface="Arial" panose="020B0604020202020204" pitchFamily="34" charset="0"/>
+              </a:rPr>
+              <a:t>으로 컴파일 시간에 완료되어 변화하지 않는 </a:t>
+            </a:r>
+            <a:r>
+              <a:rPr lang="ko-KR" altLang="en-US" b="0" i="0" u="none" strike="noStrike" dirty="0">
+                <a:solidFill>
+                  <a:srgbClr val="202122"/>
+                </a:solidFill>
+                <a:effectLst/>
+                <a:latin typeface="Arial" panose="020B0604020202020204" pitchFamily="34" charset="0"/>
+                <a:hlinkClick r:id="rId27" tooltip="정적 바인딩 (없는 문서)"/>
+              </a:rPr>
+              <a:t>정적 바인딩</a:t>
+            </a:r>
+            <a:r>
+              <a:rPr lang="ko-KR" altLang="en-US" b="0" i="0" dirty="0">
+                <a:solidFill>
+                  <a:srgbClr val="202122"/>
+                </a:solidFill>
+                <a:effectLst/>
+                <a:latin typeface="Arial" panose="020B0604020202020204" pitchFamily="34" charset="0"/>
+              </a:rPr>
+              <a:t>과 대비되는 개념이다</a:t>
+            </a:r>
+            <a:r>
+              <a:rPr lang="en-US" altLang="ko-KR" b="0" i="0" dirty="0">
+                <a:solidFill>
+                  <a:srgbClr val="202122"/>
+                </a:solidFill>
+                <a:effectLst/>
+                <a:latin typeface="Arial" panose="020B0604020202020204" pitchFamily="34" charset="0"/>
+              </a:rPr>
+              <a:t>. </a:t>
+            </a:r>
+            <a:r>
+              <a:rPr lang="ko-KR" altLang="en-US" b="0" i="0" dirty="0">
+                <a:solidFill>
+                  <a:srgbClr val="202122"/>
+                </a:solidFill>
+                <a:effectLst/>
+                <a:latin typeface="Arial" panose="020B0604020202020204" pitchFamily="34" charset="0"/>
+              </a:rPr>
+              <a:t>동적 바인딩은 프로그램의 한 개체나 기호를 실행 과정에 여러 속성이나 연산에 바인딩함으로써 다형 개념을 실현한다</a:t>
+            </a:r>
+            <a:r>
+              <a:rPr lang="en-US" altLang="ko-KR" b="0" i="0" dirty="0">
+                <a:solidFill>
+                  <a:srgbClr val="202122"/>
+                </a:solidFill>
+                <a:effectLst/>
+                <a:latin typeface="Arial" panose="020B0604020202020204" pitchFamily="34" charset="0"/>
+              </a:rPr>
+              <a:t>.</a:t>
+            </a:r>
+          </a:p>
+          <a:p>
+            <a:br>
+              <a:rPr lang="ko-KR" altLang="en-US" dirty="0"/>
+            </a:br>
+            <a:endParaRPr lang="en-US" altLang="ko-KR" dirty="0"/>
+          </a:p>
+        </p:txBody>
+      </p:sp>
     </p:spTree>
     <p:extLst>
       <p:ext uri="{BB962C8B-B14F-4D97-AF65-F5344CB8AC3E}">
-        <p14:creationId xmlns:p14="http://schemas.microsoft.com/office/powerpoint/2010/main" val="3822887583"/>
+        <p14:creationId xmlns:p14="http://schemas.microsoft.com/office/powerpoint/2010/main" val="1887121198"/>
       </p:ext>
     </p:extLst>
   </p:cSld>
@@ -4297,6 +5579,217 @@
           <a:chExt cx="0" cy="0"/>
         </a:xfrm>
       </p:grpSpPr>
+      <p:sp>
+        <p:nvSpPr>
+          <p:cNvPr id="2" name="TextBox 1">
+            <a:extLst>
+              <a:ext uri="{FF2B5EF4-FFF2-40B4-BE49-F238E27FC236}">
+                <a16:creationId xmlns:a16="http://schemas.microsoft.com/office/drawing/2014/main" id="{55FDCA51-5E3A-F63C-13F3-1D124D9061F4}"/>
+              </a:ext>
+            </a:extLst>
+          </p:cNvPr>
+          <p:cNvSpPr txBox="1"/>
+          <p:nvPr/>
+        </p:nvSpPr>
+        <p:spPr>
+          <a:xfrm>
+            <a:off x="230909" y="517236"/>
+            <a:ext cx="9999853" cy="2862322"/>
+          </a:xfrm>
+          <a:prstGeom prst="rect">
+            <a:avLst/>
+          </a:prstGeom>
+          <a:noFill/>
+        </p:spPr>
+        <p:txBody>
+          <a:bodyPr wrap="none" rtlCol="0">
+            <a:spAutoFit/>
+          </a:bodyPr>
+          <a:lstStyle/>
+          <a:p>
+            <a:r>
+              <a:rPr lang="en-US" altLang="ko-KR" dirty="0"/>
+              <a:t>int short  =&gt; </a:t>
+            </a:r>
+            <a:r>
+              <a:rPr lang="ko-KR" altLang="en-US" dirty="0"/>
+              <a:t>기본자료형</a:t>
+            </a:r>
+            <a:endParaRPr lang="en-US" altLang="ko-KR" dirty="0"/>
+          </a:p>
+          <a:p>
+            <a:r>
+              <a:rPr lang="en-US" altLang="ko-KR" dirty="0"/>
+              <a:t>Class =&gt; </a:t>
+            </a:r>
+            <a:r>
+              <a:rPr lang="ko-KR" altLang="en-US" dirty="0"/>
+              <a:t>사용자 정의 자료형</a:t>
+            </a:r>
+            <a:r>
+              <a:rPr lang="en-US" altLang="ko-KR" dirty="0"/>
+              <a:t>(</a:t>
+            </a:r>
+            <a:r>
+              <a:rPr lang="ko-KR" altLang="en-US" dirty="0"/>
+              <a:t>원래 존재하지 않던 추상적인 개념을 코드로서 구체화 시킨 존재</a:t>
+            </a:r>
+            <a:r>
+              <a:rPr lang="en-US" altLang="ko-KR" dirty="0"/>
+              <a:t>)</a:t>
+            </a:r>
+          </a:p>
+          <a:p>
+            <a:endParaRPr lang="en-US" altLang="ko-KR" dirty="0"/>
+          </a:p>
+          <a:p>
+            <a:r>
+              <a:rPr lang="en-US" altLang="ko-KR" dirty="0"/>
+              <a:t>Player </a:t>
+            </a:r>
+            <a:r>
+              <a:rPr lang="en-US" altLang="ko-KR" dirty="0" err="1"/>
+              <a:t>NewPlayer</a:t>
+            </a:r>
+            <a:r>
+              <a:rPr lang="en-US" altLang="ko-KR" dirty="0"/>
+              <a:t>; =&gt; </a:t>
+            </a:r>
+            <a:r>
+              <a:rPr lang="ko-KR" altLang="en-US" dirty="0"/>
+              <a:t>추상화가 된 자료형을 </a:t>
+            </a:r>
+            <a:r>
+              <a:rPr lang="ko-KR" altLang="en-US" dirty="0" err="1"/>
+              <a:t>사용함으로서</a:t>
+            </a:r>
+            <a:r>
+              <a:rPr lang="ko-KR" altLang="en-US" dirty="0"/>
+              <a:t> 그냥 </a:t>
+            </a:r>
+            <a:r>
+              <a:rPr lang="ko-KR" altLang="en-US" dirty="0" err="1"/>
+              <a:t>객체라느고</a:t>
+            </a:r>
+            <a:r>
+              <a:rPr lang="ko-KR" altLang="en-US" dirty="0"/>
+              <a:t> </a:t>
+            </a:r>
+            <a:r>
+              <a:rPr lang="ko-KR" altLang="en-US" dirty="0" err="1"/>
+              <a:t>불리는거</a:t>
+            </a:r>
+            <a:r>
+              <a:rPr lang="ko-KR" altLang="en-US" dirty="0"/>
+              <a:t> 하나로</a:t>
+            </a:r>
+            <a:endParaRPr lang="en-US" altLang="ko-KR" dirty="0"/>
+          </a:p>
+          <a:p>
+            <a:r>
+              <a:rPr lang="ko-KR" altLang="en-US" dirty="0"/>
+              <a:t>플레이어의 </a:t>
+            </a:r>
+            <a:r>
+              <a:rPr lang="ko-KR" altLang="en-US" dirty="0" err="1"/>
+              <a:t>모든것을</a:t>
+            </a:r>
+            <a:r>
+              <a:rPr lang="ko-KR" altLang="en-US" dirty="0"/>
+              <a:t> </a:t>
+            </a:r>
+            <a:r>
+              <a:rPr lang="ko-KR" altLang="en-US" dirty="0" err="1"/>
+              <a:t>사용할수</a:t>
+            </a:r>
+            <a:r>
+              <a:rPr lang="ko-KR" altLang="en-US" dirty="0"/>
+              <a:t> 있게 되었다</a:t>
+            </a:r>
+            <a:r>
+              <a:rPr lang="en-US" altLang="ko-KR" dirty="0"/>
+              <a:t>.</a:t>
+            </a:r>
+          </a:p>
+          <a:p>
+            <a:endParaRPr lang="en-US" altLang="ko-KR" dirty="0"/>
+          </a:p>
+          <a:p>
+            <a:r>
+              <a:rPr lang="ko-KR" altLang="en-US" dirty="0"/>
+              <a:t>상속 </a:t>
+            </a:r>
+            <a:r>
+              <a:rPr lang="en-US" altLang="ko-KR" dirty="0"/>
+              <a:t>=&gt; </a:t>
+            </a:r>
+            <a:r>
+              <a:rPr lang="ko-KR" altLang="en-US" dirty="0"/>
+              <a:t>그런 클래스를 많이 </a:t>
+            </a:r>
+            <a:r>
+              <a:rPr lang="ko-KR" altLang="en-US" dirty="0" err="1"/>
+              <a:t>만들다보면</a:t>
+            </a:r>
+            <a:r>
+              <a:rPr lang="ko-KR" altLang="en-US" dirty="0"/>
+              <a:t> 중복되는 기능들이 많아진다</a:t>
+            </a:r>
+            <a:r>
+              <a:rPr lang="en-US" altLang="ko-KR" dirty="0"/>
+              <a:t>. </a:t>
+            </a:r>
+            <a:r>
+              <a:rPr lang="ko-KR" altLang="en-US" dirty="0"/>
+              <a:t>그걸 하나로 묶어서</a:t>
+            </a:r>
+            <a:endParaRPr lang="en-US" altLang="ko-KR" dirty="0"/>
+          </a:p>
+          <a:p>
+            <a:r>
+              <a:rPr lang="en-US" altLang="ko-KR" dirty="0"/>
+              <a:t>1</a:t>
+            </a:r>
+            <a:r>
+              <a:rPr lang="ko-KR" altLang="en-US" dirty="0"/>
+              <a:t>번만 쳐도 누구나 </a:t>
+            </a:r>
+            <a:r>
+              <a:rPr lang="ko-KR" altLang="en-US" dirty="0" err="1"/>
+              <a:t>사용할수</a:t>
+            </a:r>
+            <a:r>
+              <a:rPr lang="ko-KR" altLang="en-US" dirty="0"/>
+              <a:t> 있게 만들어주는 것이 상속</a:t>
+            </a:r>
+            <a:r>
+              <a:rPr lang="en-US" altLang="ko-KR" dirty="0"/>
+              <a:t>.</a:t>
+            </a:r>
+          </a:p>
+          <a:p>
+            <a:r>
+              <a:rPr lang="ko-KR" altLang="en-US" dirty="0"/>
+              <a:t>클래스를 많이 만들고 자식과 부모 클래스를 사용하게 되는 것이다</a:t>
+            </a:r>
+            <a:r>
+              <a:rPr lang="en-US" altLang="ko-KR" dirty="0"/>
+              <a:t>.</a:t>
+            </a:r>
+          </a:p>
+          <a:p>
+            <a:r>
+              <a:rPr lang="ko-KR" altLang="en-US" dirty="0"/>
+              <a:t>보통 더더욱 추상화된 개념이 부모 클래스가 됩니다</a:t>
+            </a:r>
+            <a:r>
+              <a:rPr lang="en-US" altLang="ko-KR"/>
+              <a:t>.</a:t>
+            </a:r>
+            <a:endParaRPr lang="en-US" altLang="ko-KR" dirty="0"/>
+          </a:p>
+        </p:txBody>
+      </p:sp>
     </p:spTree>
     <p:extLst>
       <p:ext uri="{BB962C8B-B14F-4D97-AF65-F5344CB8AC3E}">
@@ -4330,7 +5823,7 @@
     </p:spTree>
     <p:extLst>
       <p:ext uri="{BB962C8B-B14F-4D97-AF65-F5344CB8AC3E}">
-        <p14:creationId xmlns:p14="http://schemas.microsoft.com/office/powerpoint/2010/main" val="3819485805"/>
+        <p14:creationId xmlns:p14="http://schemas.microsoft.com/office/powerpoint/2010/main" val="3822887583"/>
       </p:ext>
     </p:extLst>
   </p:cSld>
@@ -4360,7 +5853,7 @@
     </p:spTree>
     <p:extLst>
       <p:ext uri="{BB962C8B-B14F-4D97-AF65-F5344CB8AC3E}">
-        <p14:creationId xmlns:p14="http://schemas.microsoft.com/office/powerpoint/2010/main" val="4286375267"/>
+        <p14:creationId xmlns:p14="http://schemas.microsoft.com/office/powerpoint/2010/main" val="3819485805"/>
       </p:ext>
     </p:extLst>
   </p:cSld>
@@ -4390,7 +5883,7 @@
     </p:spTree>
     <p:extLst>
       <p:ext uri="{BB962C8B-B14F-4D97-AF65-F5344CB8AC3E}">
-        <p14:creationId xmlns:p14="http://schemas.microsoft.com/office/powerpoint/2010/main" val="3598524818"/>
+        <p14:creationId xmlns:p14="http://schemas.microsoft.com/office/powerpoint/2010/main" val="4286375267"/>
       </p:ext>
     </p:extLst>
   </p:cSld>
